--- a/haskell.pptx
+++ b/haskell.pptx
@@ -5,7 +5,7 @@
     <p:sldMasterId id="2147483648" r:id="rId1"/>
   </p:sldMasterIdLst>
   <p:notesMasterIdLst>
-    <p:notesMasterId r:id="rId10"/>
+    <p:notesMasterId r:id="rId16"/>
   </p:notesMasterIdLst>
   <p:sldIdLst>
     <p:sldId id="256" r:id="rId2"/>
@@ -16,6 +16,12 @@
     <p:sldId id="261" r:id="rId7"/>
     <p:sldId id="262" r:id="rId8"/>
     <p:sldId id="263" r:id="rId9"/>
+    <p:sldId id="264" r:id="rId10"/>
+    <p:sldId id="265" r:id="rId11"/>
+    <p:sldId id="266" r:id="rId12"/>
+    <p:sldId id="267" r:id="rId13"/>
+    <p:sldId id="268" r:id="rId14"/>
+    <p:sldId id="269" r:id="rId15"/>
   </p:sldIdLst>
   <p:sldSz cx="12192000" cy="6858000"/>
   <p:notesSz cx="6858000" cy="9144000"/>
@@ -114,6 +120,11 @@
       </a:defRPr>
     </a:lvl9pPr>
   </p:defaultTextStyle>
+  <p:extLst>
+    <p:ext uri="{EFAFB233-063F-42B5-8137-9DF3F51BA10A}">
+      <p15:sldGuideLst xmlns:p15="http://schemas.microsoft.com/office/powerpoint/2012/main"/>
+    </p:ext>
+  </p:extLst>
 </p:presentation>
 </file>
 
@@ -199,7 +210,7 @@
           <a:p>
             <a:fld id="{4141C75F-F14A-4933-9160-4B25F6BC2EE3}" type="datetimeFigureOut">
               <a:rPr lang="zh-CN" altLang="en-US" smtClean="0"/>
-              <a:t>2018/6/28</a:t>
+              <a:t>2018/7/3</a:t>
             </a:fld>
             <a:endParaRPr lang="zh-CN" altLang="en-US"/>
           </a:p>
@@ -682,7 +693,7 @@
           <a:p>
             <a:fld id="{0B89D98F-C938-422E-A781-BEC8D4C8D707}" type="datetimeFigureOut">
               <a:rPr lang="zh-CN" altLang="en-US" smtClean="0"/>
-              <a:t>2018/6/28</a:t>
+              <a:t>2018/7/3</a:t>
             </a:fld>
             <a:endParaRPr lang="zh-CN" altLang="en-US"/>
           </a:p>
@@ -852,7 +863,7 @@
           <a:p>
             <a:fld id="{0B89D98F-C938-422E-A781-BEC8D4C8D707}" type="datetimeFigureOut">
               <a:rPr lang="zh-CN" altLang="en-US" smtClean="0"/>
-              <a:t>2018/6/28</a:t>
+              <a:t>2018/7/3</a:t>
             </a:fld>
             <a:endParaRPr lang="zh-CN" altLang="en-US"/>
           </a:p>
@@ -1032,7 +1043,7 @@
           <a:p>
             <a:fld id="{0B89D98F-C938-422E-A781-BEC8D4C8D707}" type="datetimeFigureOut">
               <a:rPr lang="zh-CN" altLang="en-US" smtClean="0"/>
-              <a:t>2018/6/28</a:t>
+              <a:t>2018/7/3</a:t>
             </a:fld>
             <a:endParaRPr lang="zh-CN" altLang="en-US"/>
           </a:p>
@@ -1202,7 +1213,7 @@
           <a:p>
             <a:fld id="{0B89D98F-C938-422E-A781-BEC8D4C8D707}" type="datetimeFigureOut">
               <a:rPr lang="zh-CN" altLang="en-US" smtClean="0"/>
-              <a:t>2018/6/28</a:t>
+              <a:t>2018/7/3</a:t>
             </a:fld>
             <a:endParaRPr lang="zh-CN" altLang="en-US"/>
           </a:p>
@@ -1448,7 +1459,7 @@
           <a:p>
             <a:fld id="{0B89D98F-C938-422E-A781-BEC8D4C8D707}" type="datetimeFigureOut">
               <a:rPr lang="zh-CN" altLang="en-US" smtClean="0"/>
-              <a:t>2018/6/28</a:t>
+              <a:t>2018/7/3</a:t>
             </a:fld>
             <a:endParaRPr lang="zh-CN" altLang="en-US"/>
           </a:p>
@@ -1680,7 +1691,7 @@
           <a:p>
             <a:fld id="{0B89D98F-C938-422E-A781-BEC8D4C8D707}" type="datetimeFigureOut">
               <a:rPr lang="zh-CN" altLang="en-US" smtClean="0"/>
-              <a:t>2018/6/28</a:t>
+              <a:t>2018/7/3</a:t>
             </a:fld>
             <a:endParaRPr lang="zh-CN" altLang="en-US"/>
           </a:p>
@@ -2047,7 +2058,7 @@
           <a:p>
             <a:fld id="{0B89D98F-C938-422E-A781-BEC8D4C8D707}" type="datetimeFigureOut">
               <a:rPr lang="zh-CN" altLang="en-US" smtClean="0"/>
-              <a:t>2018/6/28</a:t>
+              <a:t>2018/7/3</a:t>
             </a:fld>
             <a:endParaRPr lang="zh-CN" altLang="en-US"/>
           </a:p>
@@ -2165,7 +2176,7 @@
           <a:p>
             <a:fld id="{0B89D98F-C938-422E-A781-BEC8D4C8D707}" type="datetimeFigureOut">
               <a:rPr lang="zh-CN" altLang="en-US" smtClean="0"/>
-              <a:t>2018/6/28</a:t>
+              <a:t>2018/7/3</a:t>
             </a:fld>
             <a:endParaRPr lang="zh-CN" altLang="en-US"/>
           </a:p>
@@ -2260,7 +2271,7 @@
           <a:p>
             <a:fld id="{0B89D98F-C938-422E-A781-BEC8D4C8D707}" type="datetimeFigureOut">
               <a:rPr lang="zh-CN" altLang="en-US" smtClean="0"/>
-              <a:t>2018/6/28</a:t>
+              <a:t>2018/7/3</a:t>
             </a:fld>
             <a:endParaRPr lang="zh-CN" altLang="en-US"/>
           </a:p>
@@ -2537,7 +2548,7 @@
           <a:p>
             <a:fld id="{0B89D98F-C938-422E-A781-BEC8D4C8D707}" type="datetimeFigureOut">
               <a:rPr lang="zh-CN" altLang="en-US" smtClean="0"/>
-              <a:t>2018/6/28</a:t>
+              <a:t>2018/7/3</a:t>
             </a:fld>
             <a:endParaRPr lang="zh-CN" altLang="en-US"/>
           </a:p>
@@ -2790,7 +2801,7 @@
           <a:p>
             <a:fld id="{0B89D98F-C938-422E-A781-BEC8D4C8D707}" type="datetimeFigureOut">
               <a:rPr lang="zh-CN" altLang="en-US" smtClean="0"/>
-              <a:t>2018/6/28</a:t>
+              <a:t>2018/7/3</a:t>
             </a:fld>
             <a:endParaRPr lang="zh-CN" altLang="en-US"/>
           </a:p>
@@ -3003,7 +3014,7 @@
           <a:p>
             <a:fld id="{0B89D98F-C938-422E-A781-BEC8D4C8D707}" type="datetimeFigureOut">
               <a:rPr lang="zh-CN" altLang="en-US" smtClean="0"/>
-              <a:t>2018/6/28</a:t>
+              <a:t>2018/7/3</a:t>
             </a:fld>
             <a:endParaRPr lang="zh-CN" altLang="en-US"/>
           </a:p>
@@ -3852,6 +3863,1036 @@
 </p:sld>
 </file>
 
+<file path=ppt/slides/slide10.xml><?xml version="1.0" encoding="utf-8"?>
+<p:sld xmlns:a="http://schemas.openxmlformats.org/drawingml/2006/main" xmlns:r="http://schemas.openxmlformats.org/officeDocument/2006/relationships" xmlns:p="http://schemas.openxmlformats.org/presentationml/2006/main">
+  <p:cSld>
+    <p:spTree>
+      <p:nvGrpSpPr>
+        <p:cNvPr id="1" name=""/>
+        <p:cNvGrpSpPr/>
+        <p:nvPr/>
+      </p:nvGrpSpPr>
+      <p:grpSpPr>
+        <a:xfrm>
+          <a:off x="0" y="0"/>
+          <a:ext cx="0" cy="0"/>
+          <a:chOff x="0" y="0"/>
+          <a:chExt cx="0" cy="0"/>
+        </a:xfrm>
+      </p:grpSpPr>
+      <p:sp>
+        <p:nvSpPr>
+          <p:cNvPr id="4" name="文本框 3"/>
+          <p:cNvSpPr txBox="1"/>
+          <p:nvPr/>
+        </p:nvSpPr>
+        <p:spPr>
+          <a:xfrm>
+            <a:off x="942974" y="966902"/>
+            <a:ext cx="10106025" cy="1046440"/>
+          </a:xfrm>
+          <a:prstGeom prst="rect">
+            <a:avLst/>
+          </a:prstGeom>
+          <a:noFill/>
+        </p:spPr>
+        <p:txBody>
+          <a:bodyPr wrap="square" rtlCol="0">
+            <a:spAutoFit/>
+          </a:bodyPr>
+          <a:lstStyle/>
+          <a:p>
+            <a:r>
+              <a:rPr lang="en-US" altLang="zh-CN" sz="2400" dirty="0" smtClean="0"/>
+              <a:t>Where</a:t>
+            </a:r>
+          </a:p>
+          <a:p>
+            <a:endParaRPr lang="en-US" altLang="zh-CN" sz="2400" dirty="0" smtClean="0"/>
+          </a:p>
+          <a:p>
+            <a:r>
+              <a:rPr lang="en-US" altLang="zh-CN" sz="1400" dirty="0"/>
+              <a:t>where </a:t>
+            </a:r>
+            <a:r>
+              <a:rPr lang="zh-CN" altLang="en-US" sz="1400" dirty="0"/>
+              <a:t>绑定是在函数底部定义名字，对包括所有 </a:t>
+            </a:r>
+            <a:r>
+              <a:rPr lang="en-US" altLang="zh-CN" sz="1400" dirty="0"/>
+              <a:t>guard </a:t>
+            </a:r>
+            <a:r>
+              <a:rPr lang="zh-CN" altLang="en-US" sz="1400" dirty="0"/>
+              <a:t>在内的整个函数可见</a:t>
+            </a:r>
+          </a:p>
+        </p:txBody>
+      </p:sp>
+      <p:pic>
+        <p:nvPicPr>
+          <p:cNvPr id="5" name="图片 4"/>
+          <p:cNvPicPr>
+            <a:picLocks noChangeAspect="1"/>
+          </p:cNvPicPr>
+          <p:nvPr/>
+        </p:nvPicPr>
+        <p:blipFill>
+          <a:blip r:embed="rId2"/>
+          <a:stretch>
+            <a:fillRect/>
+          </a:stretch>
+        </p:blipFill>
+        <p:spPr>
+          <a:xfrm>
+            <a:off x="942974" y="2200092"/>
+            <a:ext cx="8542857" cy="2895238"/>
+          </a:xfrm>
+          <a:prstGeom prst="rect">
+            <a:avLst/>
+          </a:prstGeom>
+        </p:spPr>
+      </p:pic>
+      <p:pic>
+        <p:nvPicPr>
+          <p:cNvPr id="6" name="图片 5"/>
+          <p:cNvPicPr>
+            <a:picLocks noChangeAspect="1"/>
+          </p:cNvPicPr>
+          <p:nvPr/>
+        </p:nvPicPr>
+        <p:blipFill>
+          <a:blip r:embed="rId3"/>
+          <a:stretch>
+            <a:fillRect/>
+          </a:stretch>
+        </p:blipFill>
+        <p:spPr>
+          <a:xfrm>
+            <a:off x="942974" y="5405503"/>
+            <a:ext cx="6085714" cy="1057143"/>
+          </a:xfrm>
+          <a:prstGeom prst="rect">
+            <a:avLst/>
+          </a:prstGeom>
+        </p:spPr>
+      </p:pic>
+    </p:spTree>
+    <p:extLst>
+      <p:ext uri="{BB962C8B-B14F-4D97-AF65-F5344CB8AC3E}">
+        <p14:creationId xmlns:p14="http://schemas.microsoft.com/office/powerpoint/2010/main" val="370756792"/>
+      </p:ext>
+    </p:extLst>
+  </p:cSld>
+  <p:clrMapOvr>
+    <a:masterClrMapping/>
+  </p:clrMapOvr>
+</p:sld>
+</file>
+
+<file path=ppt/slides/slide11.xml><?xml version="1.0" encoding="utf-8"?>
+<p:sld xmlns:a="http://schemas.openxmlformats.org/drawingml/2006/main" xmlns:r="http://schemas.openxmlformats.org/officeDocument/2006/relationships" xmlns:p="http://schemas.openxmlformats.org/presentationml/2006/main">
+  <p:cSld>
+    <p:spTree>
+      <p:nvGrpSpPr>
+        <p:cNvPr id="1" name=""/>
+        <p:cNvGrpSpPr/>
+        <p:nvPr/>
+      </p:nvGrpSpPr>
+      <p:grpSpPr>
+        <a:xfrm>
+          <a:off x="0" y="0"/>
+          <a:ext cx="0" cy="0"/>
+          <a:chOff x="0" y="0"/>
+          <a:chExt cx="0" cy="0"/>
+        </a:xfrm>
+      </p:grpSpPr>
+      <p:sp>
+        <p:nvSpPr>
+          <p:cNvPr id="2" name="标题 1"/>
+          <p:cNvSpPr>
+            <a:spLocks noGrp="1"/>
+          </p:cNvSpPr>
+          <p:nvPr>
+            <p:ph type="title"/>
+          </p:nvPr>
+        </p:nvSpPr>
+        <p:spPr>
+          <a:xfrm>
+            <a:off x="838200" y="555626"/>
+            <a:ext cx="10515600" cy="444500"/>
+          </a:xfrm>
+        </p:spPr>
+        <p:txBody>
+          <a:bodyPr>
+            <a:normAutofit/>
+          </a:bodyPr>
+          <a:lstStyle/>
+          <a:p>
+            <a:r>
+              <a:rPr lang="en-US" altLang="zh-CN" sz="2400" dirty="0" smtClean="0"/>
+              <a:t>let</a:t>
+            </a:r>
+            <a:endParaRPr lang="zh-CN" altLang="en-US" sz="2400" dirty="0"/>
+          </a:p>
+        </p:txBody>
+      </p:sp>
+      <p:sp>
+        <p:nvSpPr>
+          <p:cNvPr id="3" name="内容占位符 2"/>
+          <p:cNvSpPr>
+            <a:spLocks noGrp="1"/>
+          </p:cNvSpPr>
+          <p:nvPr>
+            <p:ph idx="1"/>
+          </p:nvPr>
+        </p:nvSpPr>
+        <p:spPr/>
+        <p:txBody>
+          <a:bodyPr>
+            <a:normAutofit/>
+          </a:bodyPr>
+          <a:lstStyle/>
+          <a:p>
+            <a:pPr marL="0" indent="0">
+              <a:buNone/>
+            </a:pPr>
+            <a:r>
+              <a:rPr lang="en-US" altLang="zh-CN" sz="1400" dirty="0" smtClean="0"/>
+              <a:t>let </a:t>
+            </a:r>
+            <a:r>
+              <a:rPr lang="zh-CN" altLang="en-US" sz="1400" dirty="0" smtClean="0"/>
+              <a:t>绑定则是个表达式，允许你在任何位置定义局部变量，而对不同的 </a:t>
+            </a:r>
+            <a:r>
+              <a:rPr lang="en-US" altLang="zh-CN" sz="1400" dirty="0" smtClean="0"/>
+              <a:t>guard </a:t>
+            </a:r>
+            <a:r>
+              <a:rPr lang="zh-CN" altLang="en-US" sz="1400" dirty="0" smtClean="0"/>
+              <a:t>不可见。正如 </a:t>
+            </a:r>
+            <a:r>
+              <a:rPr lang="en-US" altLang="zh-CN" sz="1400" dirty="0" smtClean="0"/>
+              <a:t>Haskell </a:t>
+            </a:r>
+            <a:r>
+              <a:rPr lang="zh-CN" altLang="en-US" sz="1400" dirty="0" smtClean="0"/>
+              <a:t>中所有赋值结构一样， </a:t>
+            </a:r>
+            <a:r>
+              <a:rPr lang="en-US" altLang="zh-CN" sz="1400" dirty="0" smtClean="0"/>
+              <a:t>let </a:t>
+            </a:r>
+            <a:r>
+              <a:rPr lang="zh-CN" altLang="en-US" sz="1400" dirty="0" smtClean="0"/>
+              <a:t>绑定</a:t>
+            </a:r>
+          </a:p>
+          <a:p>
+            <a:pPr marL="0" indent="0">
+              <a:buNone/>
+            </a:pPr>
+            <a:r>
+              <a:rPr lang="zh-CN" altLang="en-US" sz="1400" dirty="0" smtClean="0"/>
+              <a:t>也可以使用模式匹配</a:t>
+            </a:r>
+            <a:endParaRPr lang="en-US" altLang="zh-CN" sz="1400" dirty="0" smtClean="0"/>
+          </a:p>
+          <a:p>
+            <a:pPr marL="0" indent="0">
+              <a:buNone/>
+            </a:pPr>
+            <a:endParaRPr lang="en-US" altLang="zh-CN" sz="1400" dirty="0"/>
+          </a:p>
+          <a:p>
+            <a:pPr marL="0" indent="0">
+              <a:buNone/>
+            </a:pPr>
+            <a:r>
+              <a:rPr lang="en-US" altLang="zh-CN" sz="1400" dirty="0" smtClean="0"/>
+              <a:t>let </a:t>
+            </a:r>
+            <a:r>
+              <a:rPr lang="zh-CN" altLang="en-US" sz="1400" dirty="0" smtClean="0"/>
+              <a:t>的格式为 </a:t>
+            </a:r>
+            <a:r>
+              <a:rPr lang="en-US" altLang="zh-CN" sz="1400" dirty="0" smtClean="0"/>
+              <a:t>let [bindings] in [expressions] </a:t>
+            </a:r>
+            <a:r>
+              <a:rPr lang="zh-CN" altLang="en-US" sz="1400" dirty="0" smtClean="0"/>
+              <a:t>。在 </a:t>
+            </a:r>
+            <a:r>
+              <a:rPr lang="en-US" altLang="zh-CN" sz="1400" dirty="0" smtClean="0"/>
+              <a:t>let </a:t>
+            </a:r>
+            <a:r>
+              <a:rPr lang="zh-CN" altLang="en-US" sz="1400" dirty="0" smtClean="0"/>
+              <a:t>中绑定的名字仅对 </a:t>
+            </a:r>
+            <a:r>
+              <a:rPr lang="en-US" altLang="zh-CN" sz="1400" dirty="0" smtClean="0"/>
+              <a:t>in </a:t>
+            </a:r>
+            <a:r>
+              <a:rPr lang="zh-CN" altLang="en-US" sz="1400" dirty="0" smtClean="0"/>
+              <a:t>部分可见</a:t>
+            </a:r>
+            <a:endParaRPr lang="en-US" altLang="zh-CN" sz="1400" dirty="0" smtClean="0"/>
+          </a:p>
+          <a:p>
+            <a:pPr marL="0" indent="0">
+              <a:buNone/>
+            </a:pPr>
+            <a:endParaRPr lang="en-US" altLang="zh-CN" sz="1400" dirty="0"/>
+          </a:p>
+          <a:p>
+            <a:pPr marL="0" indent="0">
+              <a:buNone/>
+            </a:pPr>
+            <a:r>
+              <a:rPr lang="en-US" altLang="zh-CN" sz="1400" dirty="0" smtClean="0"/>
+              <a:t>let </a:t>
+            </a:r>
+            <a:r>
+              <a:rPr lang="zh-CN" altLang="en-US" sz="1400" dirty="0" smtClean="0"/>
+              <a:t>绑定本身是个表达式，而 </a:t>
+            </a:r>
+            <a:r>
+              <a:rPr lang="en-US" altLang="zh-CN" sz="1400" dirty="0" smtClean="0"/>
+              <a:t>where </a:t>
+            </a:r>
+            <a:r>
+              <a:rPr lang="zh-CN" altLang="en-US" sz="1400" dirty="0" smtClean="0"/>
+              <a:t>绑定则是个语法结构。还记得前面我们讲</a:t>
+            </a:r>
+            <a:r>
+              <a:rPr lang="en-US" altLang="zh-CN" sz="1400" dirty="0" smtClean="0"/>
+              <a:t>if</a:t>
+            </a:r>
+            <a:r>
+              <a:rPr lang="zh-CN" altLang="en-US" sz="1400" dirty="0" smtClean="0"/>
+              <a:t>语句时提到它是个表达式，因而可以随处安放</a:t>
+            </a:r>
+            <a:endParaRPr lang="zh-CN" altLang="en-US" sz="1400" dirty="0"/>
+          </a:p>
+        </p:txBody>
+      </p:sp>
+      <p:pic>
+        <p:nvPicPr>
+          <p:cNvPr id="4" name="图片 3"/>
+          <p:cNvPicPr>
+            <a:picLocks noChangeAspect="1"/>
+          </p:cNvPicPr>
+          <p:nvPr/>
+        </p:nvPicPr>
+        <p:blipFill>
+          <a:blip r:embed="rId2"/>
+          <a:stretch>
+            <a:fillRect/>
+          </a:stretch>
+        </p:blipFill>
+        <p:spPr>
+          <a:xfrm>
+            <a:off x="838200" y="4181384"/>
+            <a:ext cx="7209524" cy="704762"/>
+          </a:xfrm>
+          <a:prstGeom prst="rect">
+            <a:avLst/>
+          </a:prstGeom>
+        </p:spPr>
+      </p:pic>
+      <p:pic>
+        <p:nvPicPr>
+          <p:cNvPr id="5" name="图片 4"/>
+          <p:cNvPicPr>
+            <a:picLocks noChangeAspect="1"/>
+          </p:cNvPicPr>
+          <p:nvPr/>
+        </p:nvPicPr>
+        <p:blipFill>
+          <a:blip r:embed="rId3"/>
+          <a:stretch>
+            <a:fillRect/>
+          </a:stretch>
+        </p:blipFill>
+        <p:spPr>
+          <a:xfrm>
+            <a:off x="838200" y="5143501"/>
+            <a:ext cx="10733333" cy="638095"/>
+          </a:xfrm>
+          <a:prstGeom prst="rect">
+            <a:avLst/>
+          </a:prstGeom>
+        </p:spPr>
+      </p:pic>
+      <p:pic>
+        <p:nvPicPr>
+          <p:cNvPr id="6" name="图片 5"/>
+          <p:cNvPicPr>
+            <a:picLocks noChangeAspect="1"/>
+          </p:cNvPicPr>
+          <p:nvPr/>
+        </p:nvPicPr>
+        <p:blipFill>
+          <a:blip r:embed="rId4"/>
+          <a:stretch>
+            <a:fillRect/>
+          </a:stretch>
+        </p:blipFill>
+        <p:spPr>
+          <a:xfrm>
+            <a:off x="838200" y="5896117"/>
+            <a:ext cx="7923809" cy="819048"/>
+          </a:xfrm>
+          <a:prstGeom prst="rect">
+            <a:avLst/>
+          </a:prstGeom>
+        </p:spPr>
+      </p:pic>
+    </p:spTree>
+    <p:extLst>
+      <p:ext uri="{BB962C8B-B14F-4D97-AF65-F5344CB8AC3E}">
+        <p14:creationId xmlns:p14="http://schemas.microsoft.com/office/powerpoint/2010/main" val="2015769080"/>
+      </p:ext>
+    </p:extLst>
+  </p:cSld>
+  <p:clrMapOvr>
+    <a:masterClrMapping/>
+  </p:clrMapOvr>
+</p:sld>
+</file>
+
+<file path=ppt/slides/slide12.xml><?xml version="1.0" encoding="utf-8"?>
+<p:sld xmlns:a="http://schemas.openxmlformats.org/drawingml/2006/main" xmlns:r="http://schemas.openxmlformats.org/officeDocument/2006/relationships" xmlns:p="http://schemas.openxmlformats.org/presentationml/2006/main">
+  <p:cSld>
+    <p:spTree>
+      <p:nvGrpSpPr>
+        <p:cNvPr id="1" name=""/>
+        <p:cNvGrpSpPr/>
+        <p:nvPr/>
+      </p:nvGrpSpPr>
+      <p:grpSpPr>
+        <a:xfrm>
+          <a:off x="0" y="0"/>
+          <a:ext cx="0" cy="0"/>
+          <a:chOff x="0" y="0"/>
+          <a:chExt cx="0" cy="0"/>
+        </a:xfrm>
+      </p:grpSpPr>
+      <p:sp>
+        <p:nvSpPr>
+          <p:cNvPr id="2" name="标题 1"/>
+          <p:cNvSpPr>
+            <a:spLocks noGrp="1"/>
+          </p:cNvSpPr>
+          <p:nvPr>
+            <p:ph type="title"/>
+          </p:nvPr>
+        </p:nvSpPr>
+        <p:spPr>
+          <a:xfrm>
+            <a:off x="838200" y="927101"/>
+            <a:ext cx="10515600" cy="377824"/>
+          </a:xfrm>
+        </p:spPr>
+        <p:txBody>
+          <a:bodyPr>
+            <a:noAutofit/>
+          </a:bodyPr>
+          <a:lstStyle/>
+          <a:p>
+            <a:r>
+              <a:rPr lang="en-US" altLang="zh-CN" sz="2400" dirty="0" smtClean="0"/>
+              <a:t>case</a:t>
+            </a:r>
+            <a:endParaRPr lang="zh-CN" altLang="en-US" sz="2400" dirty="0"/>
+          </a:p>
+        </p:txBody>
+      </p:sp>
+      <p:pic>
+        <p:nvPicPr>
+          <p:cNvPr id="4" name="图片 3"/>
+          <p:cNvPicPr>
+            <a:picLocks noChangeAspect="1"/>
+          </p:cNvPicPr>
+          <p:nvPr/>
+        </p:nvPicPr>
+        <p:blipFill>
+          <a:blip r:embed="rId2"/>
+          <a:stretch>
+            <a:fillRect/>
+          </a:stretch>
+        </p:blipFill>
+        <p:spPr>
+          <a:xfrm>
+            <a:off x="838200" y="1502055"/>
+            <a:ext cx="4638095" cy="1390476"/>
+          </a:xfrm>
+          <a:prstGeom prst="rect">
+            <a:avLst/>
+          </a:prstGeom>
+        </p:spPr>
+      </p:pic>
+      <p:sp>
+        <p:nvSpPr>
+          <p:cNvPr id="5" name="文本框 4"/>
+          <p:cNvSpPr txBox="1"/>
+          <p:nvPr/>
+        </p:nvSpPr>
+        <p:spPr>
+          <a:xfrm>
+            <a:off x="838200" y="3074287"/>
+            <a:ext cx="5257800" cy="307777"/>
+          </a:xfrm>
+          <a:prstGeom prst="rect">
+            <a:avLst/>
+          </a:prstGeom>
+          <a:noFill/>
+        </p:spPr>
+        <p:txBody>
+          <a:bodyPr wrap="square" rtlCol="0">
+            <a:spAutoFit/>
+          </a:bodyPr>
+          <a:lstStyle/>
+          <a:p>
+            <a:r>
+              <a:rPr lang="zh-CN" altLang="en-US" sz="1400" dirty="0"/>
+              <a:t>模式匹配本质上就是 </a:t>
+            </a:r>
+            <a:r>
+              <a:rPr lang="en-US" altLang="zh-CN" sz="1400" dirty="0"/>
+              <a:t>case </a:t>
+            </a:r>
+            <a:r>
+              <a:rPr lang="zh-CN" altLang="en-US" sz="1400" dirty="0"/>
+              <a:t>表达式的语法糖，</a:t>
+            </a:r>
+          </a:p>
+        </p:txBody>
+      </p:sp>
+      <p:pic>
+        <p:nvPicPr>
+          <p:cNvPr id="6" name="图片 5"/>
+          <p:cNvPicPr>
+            <a:picLocks noChangeAspect="1"/>
+          </p:cNvPicPr>
+          <p:nvPr/>
+        </p:nvPicPr>
+        <p:blipFill>
+          <a:blip r:embed="rId3"/>
+          <a:stretch>
+            <a:fillRect/>
+          </a:stretch>
+        </p:blipFill>
+        <p:spPr>
+          <a:xfrm>
+            <a:off x="819810" y="3563821"/>
+            <a:ext cx="8485714" cy="1352381"/>
+          </a:xfrm>
+          <a:prstGeom prst="rect">
+            <a:avLst/>
+          </a:prstGeom>
+        </p:spPr>
+      </p:pic>
+      <p:pic>
+        <p:nvPicPr>
+          <p:cNvPr id="7" name="图片 6"/>
+          <p:cNvPicPr>
+            <a:picLocks noChangeAspect="1"/>
+          </p:cNvPicPr>
+          <p:nvPr/>
+        </p:nvPicPr>
+        <p:blipFill>
+          <a:blip r:embed="rId4"/>
+          <a:stretch>
+            <a:fillRect/>
+          </a:stretch>
+        </p:blipFill>
+        <p:spPr>
+          <a:xfrm>
+            <a:off x="838200" y="5151427"/>
+            <a:ext cx="5276190" cy="1685714"/>
+          </a:xfrm>
+          <a:prstGeom prst="rect">
+            <a:avLst/>
+          </a:prstGeom>
+        </p:spPr>
+      </p:pic>
+    </p:spTree>
+    <p:extLst>
+      <p:ext uri="{BB962C8B-B14F-4D97-AF65-F5344CB8AC3E}">
+        <p14:creationId xmlns:p14="http://schemas.microsoft.com/office/powerpoint/2010/main" val="2113860094"/>
+      </p:ext>
+    </p:extLst>
+  </p:cSld>
+  <p:clrMapOvr>
+    <a:masterClrMapping/>
+  </p:clrMapOvr>
+</p:sld>
+</file>
+
+<file path=ppt/slides/slide13.xml><?xml version="1.0" encoding="utf-8"?>
+<p:sld xmlns:a="http://schemas.openxmlformats.org/drawingml/2006/main" xmlns:r="http://schemas.openxmlformats.org/officeDocument/2006/relationships" xmlns:p="http://schemas.openxmlformats.org/presentationml/2006/main">
+  <p:cSld>
+    <p:spTree>
+      <p:nvGrpSpPr>
+        <p:cNvPr id="1" name=""/>
+        <p:cNvGrpSpPr/>
+        <p:nvPr/>
+      </p:nvGrpSpPr>
+      <p:grpSpPr>
+        <a:xfrm>
+          <a:off x="0" y="0"/>
+          <a:ext cx="0" cy="0"/>
+          <a:chOff x="0" y="0"/>
+          <a:chExt cx="0" cy="0"/>
+        </a:xfrm>
+      </p:grpSpPr>
+      <p:sp>
+        <p:nvSpPr>
+          <p:cNvPr id="2" name="标题 1"/>
+          <p:cNvSpPr>
+            <a:spLocks noGrp="1"/>
+          </p:cNvSpPr>
+          <p:nvPr>
+            <p:ph type="title"/>
+          </p:nvPr>
+        </p:nvSpPr>
+        <p:spPr>
+          <a:xfrm>
+            <a:off x="838200" y="590550"/>
+            <a:ext cx="10515600" cy="619126"/>
+          </a:xfrm>
+        </p:spPr>
+        <p:txBody>
+          <a:bodyPr>
+            <a:normAutofit/>
+          </a:bodyPr>
+          <a:lstStyle/>
+          <a:p>
+            <a:r>
+              <a:rPr lang="zh-CN" altLang="en-US" sz="2400" dirty="0"/>
+              <a:t>高端函数</a:t>
+            </a:r>
+          </a:p>
+        </p:txBody>
+      </p:sp>
+      <p:sp>
+        <p:nvSpPr>
+          <p:cNvPr id="3" name="内容占位符 2"/>
+          <p:cNvSpPr>
+            <a:spLocks noGrp="1"/>
+          </p:cNvSpPr>
+          <p:nvPr>
+            <p:ph idx="1"/>
+          </p:nvPr>
+        </p:nvSpPr>
+        <p:spPr/>
+        <p:txBody>
+          <a:bodyPr>
+            <a:normAutofit/>
+          </a:bodyPr>
+          <a:lstStyle/>
+          <a:p>
+            <a:pPr marL="0" indent="0">
+              <a:buNone/>
+            </a:pPr>
+            <a:r>
+              <a:rPr lang="en-US" altLang="zh-CN" sz="1400" dirty="0" smtClean="0"/>
+              <a:t>Haskell </a:t>
+            </a:r>
+            <a:r>
+              <a:rPr lang="zh-CN" altLang="en-US" sz="1400" dirty="0" smtClean="0"/>
+              <a:t>中的函数可以接受函数作为参数也可以返回函数作为结果，这样的函数就被称作高端函数</a:t>
+            </a:r>
+            <a:endParaRPr lang="en-US" altLang="zh-CN" sz="1400" dirty="0" smtClean="0"/>
+          </a:p>
+          <a:p>
+            <a:pPr marL="0" indent="0">
+              <a:buNone/>
+            </a:pPr>
+            <a:endParaRPr lang="en-US" altLang="zh-CN" sz="1400" dirty="0"/>
+          </a:p>
+          <a:p>
+            <a:pPr marL="0" indent="0">
+              <a:buNone/>
+            </a:pPr>
+            <a:r>
+              <a:rPr lang="zh-CN" altLang="en-US" sz="1400" dirty="0" smtClean="0"/>
+              <a:t>本质上，</a:t>
+            </a:r>
+            <a:r>
+              <a:rPr lang="en-US" altLang="zh-CN" sz="1400" dirty="0" smtClean="0"/>
+              <a:t>Haskell </a:t>
+            </a:r>
+            <a:r>
+              <a:rPr lang="zh-CN" altLang="en-US" sz="1400" dirty="0" smtClean="0"/>
+              <a:t>的所有函数都只有一个参数：</a:t>
+            </a:r>
+            <a:endParaRPr lang="en-US" altLang="zh-CN" sz="1400" dirty="0" smtClean="0"/>
+          </a:p>
+          <a:p>
+            <a:pPr marL="0" indent="0">
+              <a:buNone/>
+            </a:pPr>
+            <a:r>
+              <a:rPr lang="en-US" altLang="zh-CN" sz="1400" dirty="0" smtClean="0"/>
+              <a:t>max :: (Ord a) =&gt; a -&gt; a -&gt; a </a:t>
+            </a:r>
+            <a:r>
+              <a:rPr lang="zh-CN" altLang="en-US" sz="1400" dirty="0" smtClean="0"/>
+              <a:t>。 也可以写作</a:t>
+            </a:r>
+            <a:r>
+              <a:rPr lang="en-US" altLang="zh-CN" sz="1400" dirty="0" smtClean="0"/>
+              <a:t>: max :: (Ord a) =&gt; a -&gt; (a -&gt; a)</a:t>
+            </a:r>
+          </a:p>
+          <a:p>
+            <a:pPr marL="0" indent="0">
+              <a:buNone/>
+            </a:pPr>
+            <a:endParaRPr lang="en-US" altLang="zh-CN" sz="1400" dirty="0"/>
+          </a:p>
+          <a:p>
+            <a:pPr marL="0" indent="0">
+              <a:buNone/>
+            </a:pPr>
+            <a:endParaRPr lang="zh-CN" altLang="en-US" sz="1400" dirty="0"/>
+          </a:p>
+        </p:txBody>
+      </p:sp>
+      <p:pic>
+        <p:nvPicPr>
+          <p:cNvPr id="4" name="图片 3"/>
+          <p:cNvPicPr>
+            <a:picLocks noChangeAspect="1"/>
+          </p:cNvPicPr>
+          <p:nvPr/>
+        </p:nvPicPr>
+        <p:blipFill>
+          <a:blip r:embed="rId2"/>
+          <a:stretch>
+            <a:fillRect/>
+          </a:stretch>
+        </p:blipFill>
+        <p:spPr>
+          <a:xfrm>
+            <a:off x="838200" y="3443330"/>
+            <a:ext cx="4733333" cy="676190"/>
+          </a:xfrm>
+          <a:prstGeom prst="rect">
+            <a:avLst/>
+          </a:prstGeom>
+        </p:spPr>
+      </p:pic>
+      <p:pic>
+        <p:nvPicPr>
+          <p:cNvPr id="5" name="图片 4"/>
+          <p:cNvPicPr>
+            <a:picLocks noChangeAspect="1"/>
+          </p:cNvPicPr>
+          <p:nvPr/>
+        </p:nvPicPr>
+        <p:blipFill>
+          <a:blip r:embed="rId3"/>
+          <a:stretch>
+            <a:fillRect/>
+          </a:stretch>
+        </p:blipFill>
+        <p:spPr>
+          <a:xfrm>
+            <a:off x="838200" y="4405390"/>
+            <a:ext cx="5914286" cy="1247619"/>
+          </a:xfrm>
+          <a:prstGeom prst="rect">
+            <a:avLst/>
+          </a:prstGeom>
+        </p:spPr>
+      </p:pic>
+    </p:spTree>
+    <p:extLst>
+      <p:ext uri="{BB962C8B-B14F-4D97-AF65-F5344CB8AC3E}">
+        <p14:creationId xmlns:p14="http://schemas.microsoft.com/office/powerpoint/2010/main" val="1100099266"/>
+      </p:ext>
+    </p:extLst>
+  </p:cSld>
+  <p:clrMapOvr>
+    <a:masterClrMapping/>
+  </p:clrMapOvr>
+</p:sld>
+</file>
+
+<file path=ppt/slides/slide14.xml><?xml version="1.0" encoding="utf-8"?>
+<p:sld xmlns:a="http://schemas.openxmlformats.org/drawingml/2006/main" xmlns:r="http://schemas.openxmlformats.org/officeDocument/2006/relationships" xmlns:p="http://schemas.openxmlformats.org/presentationml/2006/main">
+  <p:cSld>
+    <p:spTree>
+      <p:nvGrpSpPr>
+        <p:cNvPr id="1" name=""/>
+        <p:cNvGrpSpPr/>
+        <p:nvPr/>
+      </p:nvGrpSpPr>
+      <p:grpSpPr>
+        <a:xfrm>
+          <a:off x="0" y="0"/>
+          <a:ext cx="0" cy="0"/>
+          <a:chOff x="0" y="0"/>
+          <a:chExt cx="0" cy="0"/>
+        </a:xfrm>
+      </p:grpSpPr>
+      <p:sp>
+        <p:nvSpPr>
+          <p:cNvPr id="2" name="标题 1"/>
+          <p:cNvSpPr>
+            <a:spLocks noGrp="1"/>
+          </p:cNvSpPr>
+          <p:nvPr>
+            <p:ph type="title"/>
+          </p:nvPr>
+        </p:nvSpPr>
+        <p:spPr>
+          <a:xfrm>
+            <a:off x="838200" y="280286"/>
+            <a:ext cx="10515600" cy="539750"/>
+          </a:xfrm>
+        </p:spPr>
+        <p:txBody>
+          <a:bodyPr>
+            <a:normAutofit/>
+          </a:bodyPr>
+          <a:lstStyle/>
+          <a:p>
+            <a:r>
+              <a:rPr lang="en-US" altLang="zh-CN" sz="2400" dirty="0" smtClean="0"/>
+              <a:t>map </a:t>
+            </a:r>
+            <a:r>
+              <a:rPr lang="zh-CN" altLang="en-US" sz="2400" dirty="0" smtClean="0"/>
+              <a:t>与 </a:t>
+            </a:r>
+            <a:r>
+              <a:rPr lang="en-US" altLang="zh-CN" sz="2400" dirty="0" smtClean="0"/>
+              <a:t>filter</a:t>
+            </a:r>
+            <a:endParaRPr lang="zh-CN" altLang="en-US" sz="2400" dirty="0"/>
+          </a:p>
+        </p:txBody>
+      </p:sp>
+      <p:sp>
+        <p:nvSpPr>
+          <p:cNvPr id="3" name="内容占位符 2"/>
+          <p:cNvSpPr>
+            <a:spLocks noGrp="1"/>
+          </p:cNvSpPr>
+          <p:nvPr>
+            <p:ph idx="1"/>
+          </p:nvPr>
+        </p:nvSpPr>
+        <p:spPr>
+          <a:xfrm>
+            <a:off x="838200" y="1166127"/>
+            <a:ext cx="10515600" cy="1623286"/>
+          </a:xfrm>
+        </p:spPr>
+        <p:txBody>
+          <a:bodyPr>
+            <a:normAutofit/>
+          </a:bodyPr>
+          <a:lstStyle/>
+          <a:p>
+            <a:pPr marL="0" indent="0">
+              <a:buNone/>
+            </a:pPr>
+            <a:r>
+              <a:rPr lang="zh-CN" altLang="en-US" sz="1400" dirty="0" smtClean="0"/>
+              <a:t>要找出小于 </a:t>
+            </a:r>
+            <a:r>
+              <a:rPr lang="en-US" altLang="zh-CN" sz="1400" dirty="0" smtClean="0"/>
+              <a:t>100000 </a:t>
+            </a:r>
+            <a:r>
+              <a:rPr lang="zh-CN" altLang="en-US" sz="1400" dirty="0" smtClean="0"/>
+              <a:t>的 </a:t>
+            </a:r>
+            <a:r>
+              <a:rPr lang="en-US" altLang="zh-CN" sz="1400" dirty="0" smtClean="0"/>
+              <a:t>3829</a:t>
+            </a:r>
+            <a:r>
+              <a:rPr lang="zh-CN" altLang="en-US" sz="1400" dirty="0" smtClean="0"/>
+              <a:t>的所有倍数</a:t>
+            </a:r>
+            <a:endParaRPr lang="zh-CN" altLang="en-US" sz="1400" dirty="0"/>
+          </a:p>
+        </p:txBody>
+      </p:sp>
+      <p:pic>
+        <p:nvPicPr>
+          <p:cNvPr id="4" name="图片 3"/>
+          <p:cNvPicPr>
+            <a:picLocks noChangeAspect="1"/>
+          </p:cNvPicPr>
+          <p:nvPr/>
+        </p:nvPicPr>
+        <p:blipFill>
+          <a:blip r:embed="rId2"/>
+          <a:stretch>
+            <a:fillRect/>
+          </a:stretch>
+        </p:blipFill>
+        <p:spPr>
+          <a:xfrm>
+            <a:off x="838200" y="1504360"/>
+            <a:ext cx="6066667" cy="1066667"/>
+          </a:xfrm>
+          <a:prstGeom prst="rect">
+            <a:avLst/>
+          </a:prstGeom>
+        </p:spPr>
+      </p:pic>
+      <p:sp>
+        <p:nvSpPr>
+          <p:cNvPr id="5" name="文本框 4"/>
+          <p:cNvSpPr txBox="1"/>
+          <p:nvPr/>
+        </p:nvSpPr>
+        <p:spPr>
+          <a:xfrm>
+            <a:off x="838200" y="2771291"/>
+            <a:ext cx="8934450" cy="738664"/>
+          </a:xfrm>
+          <a:prstGeom prst="rect">
+            <a:avLst/>
+          </a:prstGeom>
+          <a:noFill/>
+        </p:spPr>
+        <p:txBody>
+          <a:bodyPr wrap="square" rtlCol="0">
+            <a:spAutoFit/>
+          </a:bodyPr>
+          <a:lstStyle/>
+          <a:p>
+            <a:r>
+              <a:rPr lang="zh-CN" altLang="en-US" sz="1400" dirty="0" smtClean="0"/>
+              <a:t>编写 </a:t>
+            </a:r>
+            <a:r>
+              <a:rPr lang="en-US" altLang="zh-CN" sz="1400" dirty="0" smtClean="0"/>
+              <a:t>lambda</a:t>
+            </a:r>
+            <a:r>
+              <a:rPr lang="zh-CN" altLang="en-US" sz="1400" dirty="0" smtClean="0"/>
+              <a:t>，就写个 </a:t>
+            </a:r>
+            <a:r>
+              <a:rPr lang="en-US" altLang="zh-CN" sz="1400" dirty="0" smtClean="0"/>
+              <a:t>\ </a:t>
+            </a:r>
+            <a:r>
+              <a:rPr lang="zh-CN" altLang="en-US" sz="1400" dirty="0" smtClean="0"/>
+              <a:t>，后面是用空格分隔的参数， </a:t>
+            </a:r>
+            <a:r>
+              <a:rPr lang="en-US" altLang="zh-CN" sz="1400" dirty="0" smtClean="0"/>
+              <a:t>-&gt; </a:t>
+            </a:r>
+            <a:r>
+              <a:rPr lang="zh-CN" altLang="en-US" sz="1400" dirty="0" smtClean="0"/>
+              <a:t>后面就是函数体。通常我们都是用括号将其括起，</a:t>
+            </a:r>
+            <a:endParaRPr lang="en-US" altLang="zh-CN" sz="1400" dirty="0" smtClean="0"/>
+          </a:p>
+          <a:p>
+            <a:r>
+              <a:rPr lang="zh-CN" altLang="en-US" sz="1400" dirty="0" smtClean="0"/>
+              <a:t>要不然它就会占据整个右边部分</a:t>
+            </a:r>
+            <a:r>
+              <a:rPr lang="en-US" altLang="zh-CN" sz="1400" dirty="0" smtClean="0"/>
+              <a:t>.</a:t>
+            </a:r>
+          </a:p>
+          <a:p>
+            <a:r>
+              <a:rPr lang="en-US" altLang="zh-CN" sz="1400" dirty="0" smtClean="0"/>
+              <a:t>lambda </a:t>
+            </a:r>
+            <a:r>
+              <a:rPr lang="zh-CN" altLang="en-US" sz="1400" dirty="0" smtClean="0"/>
+              <a:t>是个表达式，因此我们可以任意传递</a:t>
+            </a:r>
+            <a:endParaRPr lang="zh-CN" altLang="en-US" sz="1400" dirty="0"/>
+          </a:p>
+        </p:txBody>
+      </p:sp>
+      <p:pic>
+        <p:nvPicPr>
+          <p:cNvPr id="6" name="图片 5"/>
+          <p:cNvPicPr>
+            <a:picLocks noChangeAspect="1"/>
+          </p:cNvPicPr>
+          <p:nvPr/>
+        </p:nvPicPr>
+        <p:blipFill>
+          <a:blip r:embed="rId3"/>
+          <a:stretch>
+            <a:fillRect/>
+          </a:stretch>
+        </p:blipFill>
+        <p:spPr>
+          <a:xfrm>
+            <a:off x="838200" y="3758136"/>
+            <a:ext cx="7400000" cy="666667"/>
+          </a:xfrm>
+          <a:prstGeom prst="rect">
+            <a:avLst/>
+          </a:prstGeom>
+        </p:spPr>
+      </p:pic>
+      <p:pic>
+        <p:nvPicPr>
+          <p:cNvPr id="7" name="图片 6"/>
+          <p:cNvPicPr>
+            <a:picLocks noChangeAspect="1"/>
+          </p:cNvPicPr>
+          <p:nvPr/>
+        </p:nvPicPr>
+        <p:blipFill>
+          <a:blip r:embed="rId4"/>
+          <a:stretch>
+            <a:fillRect/>
+          </a:stretch>
+        </p:blipFill>
+        <p:spPr>
+          <a:xfrm>
+            <a:off x="781714" y="4551243"/>
+            <a:ext cx="5314286" cy="2085714"/>
+          </a:xfrm>
+          <a:prstGeom prst="rect">
+            <a:avLst/>
+          </a:prstGeom>
+        </p:spPr>
+      </p:pic>
+    </p:spTree>
+    <p:extLst>
+      <p:ext uri="{BB962C8B-B14F-4D97-AF65-F5344CB8AC3E}">
+        <p14:creationId xmlns:p14="http://schemas.microsoft.com/office/powerpoint/2010/main" val="338482519"/>
+      </p:ext>
+    </p:extLst>
+  </p:cSld>
+  <p:clrMapOvr>
+    <a:masterClrMapping/>
+  </p:clrMapOvr>
+</p:sld>
+</file>
+
 <file path=ppt/slides/slide2.xml><?xml version="1.0" encoding="utf-8"?>
 <p:sld xmlns:a="http://schemas.openxmlformats.org/drawingml/2006/main" xmlns:r="http://schemas.openxmlformats.org/officeDocument/2006/relationships" xmlns:p="http://schemas.openxmlformats.org/presentationml/2006/main">
   <p:cSld>
@@ -6574,6 +7615,207 @@
     <p:extLst>
       <p:ext uri="{BB962C8B-B14F-4D97-AF65-F5344CB8AC3E}">
         <p14:creationId xmlns:p14="http://schemas.microsoft.com/office/powerpoint/2010/main" val="2915574057"/>
+      </p:ext>
+    </p:extLst>
+  </p:cSld>
+  <p:clrMapOvr>
+    <a:masterClrMapping/>
+  </p:clrMapOvr>
+</p:sld>
+</file>
+
+<file path=ppt/slides/slide9.xml><?xml version="1.0" encoding="utf-8"?>
+<p:sld xmlns:a="http://schemas.openxmlformats.org/drawingml/2006/main" xmlns:r="http://schemas.openxmlformats.org/officeDocument/2006/relationships" xmlns:p="http://schemas.openxmlformats.org/presentationml/2006/main">
+  <p:cSld>
+    <p:spTree>
+      <p:nvGrpSpPr>
+        <p:cNvPr id="1" name=""/>
+        <p:cNvGrpSpPr/>
+        <p:nvPr/>
+      </p:nvGrpSpPr>
+      <p:grpSpPr>
+        <a:xfrm>
+          <a:off x="0" y="0"/>
+          <a:ext cx="0" cy="0"/>
+          <a:chOff x="0" y="0"/>
+          <a:chExt cx="0" cy="0"/>
+        </a:xfrm>
+      </p:grpSpPr>
+      <p:sp>
+        <p:nvSpPr>
+          <p:cNvPr id="2" name="标题 1"/>
+          <p:cNvSpPr>
+            <a:spLocks noGrp="1"/>
+          </p:cNvSpPr>
+          <p:nvPr>
+            <p:ph type="title"/>
+          </p:nvPr>
+        </p:nvSpPr>
+        <p:spPr>
+          <a:xfrm>
+            <a:off x="986476" y="1015132"/>
+            <a:ext cx="10515600" cy="414338"/>
+          </a:xfrm>
+        </p:spPr>
+        <p:txBody>
+          <a:bodyPr>
+            <a:normAutofit fontScale="90000"/>
+          </a:bodyPr>
+          <a:lstStyle/>
+          <a:p>
+            <a:r>
+              <a:rPr lang="en-US" altLang="zh-CN" sz="2400" dirty="0"/>
+              <a:t>guard</a:t>
+            </a:r>
+            <a:endParaRPr lang="zh-CN" altLang="en-US" sz="2400" dirty="0"/>
+          </a:p>
+        </p:txBody>
+      </p:sp>
+      <p:sp>
+        <p:nvSpPr>
+          <p:cNvPr id="3" name="内容占位符 2"/>
+          <p:cNvSpPr>
+            <a:spLocks noGrp="1"/>
+          </p:cNvSpPr>
+          <p:nvPr>
+            <p:ph idx="1"/>
+          </p:nvPr>
+        </p:nvSpPr>
+        <p:spPr>
+          <a:xfrm>
+            <a:off x="1028700" y="4171161"/>
+            <a:ext cx="10515600" cy="878119"/>
+          </a:xfrm>
+        </p:spPr>
+        <p:txBody>
+          <a:bodyPr>
+            <a:normAutofit/>
+          </a:bodyPr>
+          <a:lstStyle/>
+          <a:p>
+            <a:pPr marL="0" indent="0">
+              <a:buNone/>
+            </a:pPr>
+            <a:r>
+              <a:rPr lang="zh-CN" altLang="en-US" sz="1200" dirty="0" smtClean="0"/>
+              <a:t>如果一个函数的所有 </a:t>
+            </a:r>
+            <a:r>
+              <a:rPr lang="en-US" altLang="zh-CN" sz="1200" dirty="0" smtClean="0"/>
+              <a:t>guard </a:t>
+            </a:r>
+            <a:r>
+              <a:rPr lang="zh-CN" altLang="en-US" sz="1200" dirty="0" smtClean="0"/>
+              <a:t>都没有通过</a:t>
+            </a:r>
+            <a:r>
+              <a:rPr lang="en-US" altLang="zh-CN" sz="1200" dirty="0" smtClean="0"/>
+              <a:t>(</a:t>
+            </a:r>
+            <a:r>
+              <a:rPr lang="zh-CN" altLang="en-US" sz="1200" dirty="0" smtClean="0"/>
+              <a:t>而且没有提供 </a:t>
+            </a:r>
+            <a:r>
+              <a:rPr lang="en-US" altLang="zh-CN" sz="1200" dirty="0" smtClean="0"/>
+              <a:t>otherwise </a:t>
+            </a:r>
+            <a:r>
+              <a:rPr lang="zh-CN" altLang="en-US" sz="1200" dirty="0" smtClean="0"/>
+              <a:t>作万能匹配</a:t>
+            </a:r>
+            <a:r>
+              <a:rPr lang="en-US" altLang="zh-CN" sz="1200" dirty="0" smtClean="0"/>
+              <a:t>)</a:t>
+            </a:r>
+            <a:r>
+              <a:rPr lang="zh-CN" altLang="en-US" sz="1200" dirty="0" smtClean="0"/>
+              <a:t>，</a:t>
+            </a:r>
+            <a:endParaRPr lang="en-US" altLang="zh-CN" sz="1200" dirty="0" smtClean="0"/>
+          </a:p>
+          <a:p>
+            <a:pPr marL="0" indent="0">
+              <a:buNone/>
+            </a:pPr>
+            <a:r>
+              <a:rPr lang="zh-CN" altLang="en-US" sz="1200" dirty="0" smtClean="0"/>
+              <a:t>就转入下一模式。这便是 </a:t>
+            </a:r>
+            <a:r>
+              <a:rPr lang="en-US" altLang="zh-CN" sz="1200" dirty="0" smtClean="0"/>
+              <a:t>guard </a:t>
+            </a:r>
+            <a:r>
+              <a:rPr lang="zh-CN" altLang="en-US" sz="1200" dirty="0" smtClean="0"/>
+              <a:t>与模式契合的地方。如果始终没有找到合适的 </a:t>
+            </a:r>
+            <a:r>
+              <a:rPr lang="en-US" altLang="zh-CN" sz="1200" dirty="0" smtClean="0"/>
+              <a:t>guard </a:t>
+            </a:r>
+            <a:r>
+              <a:rPr lang="zh-CN" altLang="en-US" sz="1200" dirty="0" smtClean="0"/>
+              <a:t>或模式，就会发生一个错误</a:t>
+            </a:r>
+            <a:endParaRPr lang="en-US" altLang="zh-CN" sz="1200" dirty="0" smtClean="0"/>
+          </a:p>
+          <a:p>
+            <a:pPr marL="0" indent="0">
+              <a:buNone/>
+            </a:pPr>
+            <a:r>
+              <a:rPr lang="zh-CN" altLang="en-US" sz="1200" dirty="0" smtClean="0">
+                <a:solidFill>
+                  <a:srgbClr val="FF0000"/>
+                </a:solidFill>
+              </a:rPr>
+              <a:t>函数的名字和参数的后面并没有 </a:t>
+            </a:r>
+            <a:r>
+              <a:rPr lang="en-US" altLang="zh-CN" sz="1200" dirty="0" smtClean="0">
+                <a:solidFill>
+                  <a:srgbClr val="FF0000"/>
+                </a:solidFill>
+              </a:rPr>
+              <a:t>= </a:t>
+            </a:r>
+            <a:endParaRPr lang="zh-CN" altLang="en-US" sz="1200" dirty="0">
+              <a:solidFill>
+                <a:srgbClr val="FF0000"/>
+              </a:solidFill>
+            </a:endParaRPr>
+          </a:p>
+        </p:txBody>
+      </p:sp>
+      <p:pic>
+        <p:nvPicPr>
+          <p:cNvPr id="6" name="图片 5"/>
+          <p:cNvPicPr>
+            <a:picLocks noChangeAspect="1"/>
+          </p:cNvPicPr>
+          <p:nvPr/>
+        </p:nvPicPr>
+        <p:blipFill>
+          <a:blip r:embed="rId2"/>
+          <a:stretch>
+            <a:fillRect/>
+          </a:stretch>
+        </p:blipFill>
+        <p:spPr>
+          <a:xfrm>
+            <a:off x="1028700" y="1876506"/>
+            <a:ext cx="10219048" cy="1847619"/>
+          </a:xfrm>
+          <a:prstGeom prst="rect">
+            <a:avLst/>
+          </a:prstGeom>
+        </p:spPr>
+      </p:pic>
+    </p:spTree>
+    <p:extLst>
+      <p:ext uri="{BB962C8B-B14F-4D97-AF65-F5344CB8AC3E}">
+        <p14:creationId xmlns:p14="http://schemas.microsoft.com/office/powerpoint/2010/main" val="968261219"/>
       </p:ext>
     </p:extLst>
   </p:cSld>
